--- a/chapter12.pptx
+++ b/chapter12.pptx
@@ -1722,7 +1722,7 @@
           </a:bodyPr>
           <a:p>
             <a:pPr algn="r"/>
-            <a:fld id="{029AEA00-D422-4154-8C4D-9A2AD2171414}" type="slidenum">
+            <a:fld id="{938A704F-C057-4049-A606-7EA1B75BFEF0}" type="slidenum">
               <a:rPr b="0" lang="en-US" sz="1400" spc="-1" strike="noStrike">
                 <a:latin typeface="Times New Roman"/>
               </a:rPr>
@@ -6843,7 +6843,7 @@
               <a:t>AT</a:t>
             </a:r>
             <a:endParaRPr b="0" lang="en-US" sz="2400" spc="-1" strike="noStrike">
-              <a:latin typeface="Arial"/>
+              <a:latin typeface="DejaVu Sans Mono"/>
             </a:endParaRPr>
           </a:p>
         </p:txBody>
@@ -6891,7 +6891,7 @@
               <a:t>AU</a:t>
             </a:r>
             <a:endParaRPr b="0" lang="en-US" sz="2400" spc="-1" strike="noStrike">
-              <a:latin typeface="Arial"/>
+              <a:latin typeface="DejaVu Sans Mono"/>
             </a:endParaRPr>
           </a:p>
         </p:txBody>
@@ -6939,7 +6939,7 @@
               <a:t>DE</a:t>
             </a:r>
             <a:endParaRPr b="0" lang="en-US" sz="2400" spc="-1" strike="noStrike">
-              <a:latin typeface="Arial"/>
+              <a:latin typeface="DejaVu Sans Mono"/>
             </a:endParaRPr>
           </a:p>
         </p:txBody>
@@ -6987,7 +6987,7 @@
               <a:t>ES</a:t>
             </a:r>
             <a:endParaRPr b="0" lang="en-US" sz="2400" spc="-1" strike="noStrike">
-              <a:latin typeface="Arial"/>
+              <a:latin typeface="DejaVu Sans Mono"/>
             </a:endParaRPr>
           </a:p>
         </p:txBody>
@@ -7035,7 +7035,7 @@
               <a:t>FR</a:t>
             </a:r>
             <a:endParaRPr b="0" lang="en-US" sz="2400" spc="-1" strike="noStrike">
-              <a:latin typeface="Arial"/>
+              <a:latin typeface="DejaVu Sans Mono"/>
             </a:endParaRPr>
           </a:p>
         </p:txBody>
@@ -7083,7 +7083,7 @@
               <a:t>HU</a:t>
             </a:r>
             <a:endParaRPr b="0" lang="en-US" sz="2400" spc="-1" strike="noStrike">
-              <a:latin typeface="Arial"/>
+              <a:latin typeface="DejaVu Sans Mono"/>
             </a:endParaRPr>
           </a:p>
         </p:txBody>
@@ -7131,7 +7131,7 @@
               <a:t>IS</a:t>
             </a:r>
             <a:endParaRPr b="0" lang="en-US" sz="2400" spc="-1" strike="noStrike">
-              <a:latin typeface="Arial"/>
+              <a:latin typeface="DejaVu Sans Mono"/>
             </a:endParaRPr>
           </a:p>
         </p:txBody>
@@ -7179,7 +7179,7 @@
               <a:t>JP</a:t>
             </a:r>
             <a:endParaRPr b="0" lang="en-US" sz="2400" spc="-1" strike="noStrike">
-              <a:latin typeface="Arial"/>
+              <a:latin typeface="DejaVu Sans Mono"/>
             </a:endParaRPr>
           </a:p>
         </p:txBody>
@@ -7227,7 +7227,7 @@
               <a:t>KR</a:t>
             </a:r>
             <a:endParaRPr b="0" lang="en-US" sz="2400" spc="-1" strike="noStrike">
-              <a:latin typeface="Arial"/>
+              <a:latin typeface="DejaVu Sans Mono"/>
             </a:endParaRPr>
           </a:p>
         </p:txBody>
@@ -7275,7 +7275,7 @@
               <a:t>PT</a:t>
             </a:r>
             <a:endParaRPr b="0" lang="en-US" sz="2400" spc="-1" strike="noStrike">
-              <a:latin typeface="Arial"/>
+              <a:latin typeface="DejaVu Sans Mono"/>
             </a:endParaRPr>
           </a:p>
         </p:txBody>
@@ -7323,7 +7323,7 @@
               <a:t>TW</a:t>
             </a:r>
             <a:endParaRPr b="0" lang="en-US" sz="2400" spc="-1" strike="noStrike">
-              <a:latin typeface="Arial"/>
+              <a:latin typeface="DejaVu Sans Mono"/>
             </a:endParaRPr>
           </a:p>
         </p:txBody>
@@ -7371,7 +7371,7 @@
               <a:t>US</a:t>
             </a:r>
             <a:endParaRPr b="0" lang="en-US" sz="2400" spc="-1" strike="noStrike">
-              <a:latin typeface="Arial"/>
+              <a:latin typeface="DejaVu Sans Mono"/>
             </a:endParaRPr>
           </a:p>
         </p:txBody>
@@ -7581,7 +7581,7 @@
               <a:t>AT</a:t>
             </a:r>
             <a:endParaRPr b="0" lang="en-US" sz="2400" spc="-1" strike="noStrike">
-              <a:latin typeface="Arial"/>
+              <a:latin typeface="DejaVu Sans Mono"/>
             </a:endParaRPr>
           </a:p>
         </p:txBody>
@@ -7629,7 +7629,7 @@
               <a:t>AU</a:t>
             </a:r>
             <a:endParaRPr b="0" lang="en-US" sz="2400" spc="-1" strike="noStrike">
-              <a:latin typeface="Arial"/>
+              <a:latin typeface="DejaVu Sans Mono"/>
             </a:endParaRPr>
           </a:p>
         </p:txBody>
@@ -7677,7 +7677,7 @@
               <a:t>DE</a:t>
             </a:r>
             <a:endParaRPr b="0" lang="en-US" sz="2400" spc="-1" strike="noStrike">
-              <a:latin typeface="Arial"/>
+              <a:latin typeface="DejaVu Sans Mono"/>
             </a:endParaRPr>
           </a:p>
         </p:txBody>
@@ -7725,7 +7725,7 @@
               <a:t>ES</a:t>
             </a:r>
             <a:endParaRPr b="0" lang="en-US" sz="2400" spc="-1" strike="noStrike">
-              <a:latin typeface="Arial"/>
+              <a:latin typeface="DejaVu Sans Mono"/>
             </a:endParaRPr>
           </a:p>
         </p:txBody>
@@ -7773,7 +7773,7 @@
               <a:t>FR</a:t>
             </a:r>
             <a:endParaRPr b="0" lang="en-US" sz="2400" spc="-1" strike="noStrike">
-              <a:latin typeface="Arial"/>
+              <a:latin typeface="DejaVu Sans Mono"/>
             </a:endParaRPr>
           </a:p>
         </p:txBody>
@@ -7821,7 +7821,7 @@
               <a:t>HU</a:t>
             </a:r>
             <a:endParaRPr b="0" lang="en-US" sz="2400" spc="-1" strike="noStrike">
-              <a:latin typeface="Arial"/>
+              <a:latin typeface="DejaVu Sans Mono"/>
             </a:endParaRPr>
           </a:p>
         </p:txBody>
@@ -7869,7 +7869,7 @@
               <a:t>IS</a:t>
             </a:r>
             <a:endParaRPr b="0" lang="en-US" sz="2400" spc="-1" strike="noStrike">
-              <a:latin typeface="Arial"/>
+              <a:latin typeface="DejaVu Sans Mono"/>
             </a:endParaRPr>
           </a:p>
         </p:txBody>
@@ -7917,7 +7917,7 @@
               <a:t>JP</a:t>
             </a:r>
             <a:endParaRPr b="0" lang="en-US" sz="2400" spc="-1" strike="noStrike">
-              <a:latin typeface="Arial"/>
+              <a:latin typeface="DejaVu Sans Mono"/>
             </a:endParaRPr>
           </a:p>
         </p:txBody>
@@ -7965,7 +7965,7 @@
               <a:t>KR</a:t>
             </a:r>
             <a:endParaRPr b="0" lang="en-US" sz="2400" spc="-1" strike="noStrike">
-              <a:latin typeface="Arial"/>
+              <a:latin typeface="DejaVu Sans Mono"/>
             </a:endParaRPr>
           </a:p>
         </p:txBody>
@@ -8013,7 +8013,7 @@
               <a:t>PT</a:t>
             </a:r>
             <a:endParaRPr b="0" lang="en-US" sz="2400" spc="-1" strike="noStrike">
-              <a:latin typeface="Arial"/>
+              <a:latin typeface="DejaVu Sans Mono"/>
             </a:endParaRPr>
           </a:p>
         </p:txBody>
@@ -8061,7 +8061,7 @@
               <a:t>TW</a:t>
             </a:r>
             <a:endParaRPr b="0" lang="en-US" sz="2400" spc="-1" strike="noStrike">
-              <a:latin typeface="Arial"/>
+              <a:latin typeface="DejaVu Sans Mono"/>
             </a:endParaRPr>
           </a:p>
         </p:txBody>
@@ -8109,7 +8109,7 @@
               <a:t>US</a:t>
             </a:r>
             <a:endParaRPr b="0" lang="en-US" sz="2400" spc="-1" strike="noStrike">
-              <a:latin typeface="Arial"/>
+              <a:latin typeface="DejaVu Sans Mono"/>
             </a:endParaRPr>
           </a:p>
         </p:txBody>
@@ -8559,7 +8559,7 @@
               <a:t>AT</a:t>
             </a:r>
             <a:endParaRPr b="0" lang="en-US" sz="2400" spc="-1" strike="noStrike">
-              <a:latin typeface="Arial"/>
+              <a:latin typeface="DejaVu Sans Mono"/>
             </a:endParaRPr>
           </a:p>
         </p:txBody>
@@ -8607,7 +8607,7 @@
               <a:t>AU</a:t>
             </a:r>
             <a:endParaRPr b="0" lang="en-US" sz="2400" spc="-1" strike="noStrike">
-              <a:latin typeface="Arial"/>
+              <a:latin typeface="DejaVu Sans Mono"/>
             </a:endParaRPr>
           </a:p>
         </p:txBody>
@@ -8655,7 +8655,7 @@
               <a:t>DE</a:t>
             </a:r>
             <a:endParaRPr b="0" lang="en-US" sz="2400" spc="-1" strike="noStrike">
-              <a:latin typeface="Arial"/>
+              <a:latin typeface="DejaVu Sans Mono"/>
             </a:endParaRPr>
           </a:p>
         </p:txBody>
@@ -8703,7 +8703,7 @@
               <a:t>ES</a:t>
             </a:r>
             <a:endParaRPr b="0" lang="en-US" sz="2400" spc="-1" strike="noStrike">
-              <a:latin typeface="Arial"/>
+              <a:latin typeface="DejaVu Sans Mono"/>
             </a:endParaRPr>
           </a:p>
         </p:txBody>
@@ -8751,7 +8751,7 @@
               <a:t>FR</a:t>
             </a:r>
             <a:endParaRPr b="0" lang="en-US" sz="2400" spc="-1" strike="noStrike">
-              <a:latin typeface="Arial"/>
+              <a:latin typeface="DejaVu Sans Mono"/>
             </a:endParaRPr>
           </a:p>
         </p:txBody>
@@ -8802,7 +8802,10 @@
               <a:t>HU</a:t>
             </a:r>
             <a:endParaRPr b="0" lang="en-US" sz="2400" spc="-1" strike="noStrike">
-              <a:latin typeface="Arial"/>
+              <a:solidFill>
+                <a:srgbClr val="808080"/>
+              </a:solidFill>
+              <a:latin typeface="DejaVu Sans Mono"/>
             </a:endParaRPr>
           </a:p>
         </p:txBody>
@@ -8853,7 +8856,10 @@
               <a:t>IS</a:t>
             </a:r>
             <a:endParaRPr b="0" lang="en-US" sz="2400" spc="-1" strike="noStrike">
-              <a:latin typeface="Arial"/>
+              <a:solidFill>
+                <a:srgbClr val="808080"/>
+              </a:solidFill>
+              <a:latin typeface="DejaVu Sans Mono"/>
             </a:endParaRPr>
           </a:p>
         </p:txBody>
@@ -8904,7 +8910,10 @@
               <a:t>JP</a:t>
             </a:r>
             <a:endParaRPr b="0" lang="en-US" sz="2400" spc="-1" strike="noStrike">
-              <a:latin typeface="Arial"/>
+              <a:solidFill>
+                <a:srgbClr val="808080"/>
+              </a:solidFill>
+              <a:latin typeface="DejaVu Sans Mono"/>
             </a:endParaRPr>
           </a:p>
         </p:txBody>
@@ -8955,7 +8964,10 @@
               <a:t>KR</a:t>
             </a:r>
             <a:endParaRPr b="0" lang="en-US" sz="2400" spc="-1" strike="noStrike">
-              <a:latin typeface="Arial"/>
+              <a:solidFill>
+                <a:srgbClr val="808080"/>
+              </a:solidFill>
+              <a:latin typeface="DejaVu Sans Mono"/>
             </a:endParaRPr>
           </a:p>
         </p:txBody>
@@ -9006,7 +9018,10 @@
               <a:t>PT</a:t>
             </a:r>
             <a:endParaRPr b="0" lang="en-US" sz="2400" spc="-1" strike="noStrike">
-              <a:latin typeface="Arial"/>
+              <a:solidFill>
+                <a:srgbClr val="808080"/>
+              </a:solidFill>
+              <a:latin typeface="DejaVu Sans Mono"/>
             </a:endParaRPr>
           </a:p>
         </p:txBody>
@@ -9057,7 +9072,10 @@
               <a:t>TW</a:t>
             </a:r>
             <a:endParaRPr b="0" lang="en-US" sz="2400" spc="-1" strike="noStrike">
-              <a:latin typeface="Arial"/>
+              <a:solidFill>
+                <a:srgbClr val="808080"/>
+              </a:solidFill>
+              <a:latin typeface="DejaVu Sans Mono"/>
             </a:endParaRPr>
           </a:p>
         </p:txBody>
@@ -9108,7 +9126,10 @@
               <a:t>US</a:t>
             </a:r>
             <a:endParaRPr b="0" lang="en-US" sz="2400" spc="-1" strike="noStrike">
-              <a:latin typeface="Arial"/>
+              <a:solidFill>
+                <a:srgbClr val="808080"/>
+              </a:solidFill>
+              <a:latin typeface="DejaVu Sans Mono"/>
             </a:endParaRPr>
           </a:p>
         </p:txBody>
@@ -9771,7 +9792,7 @@
                 <a:latin typeface="Arial"/>
                 <a:ea typeface="Noto Sans CJK SC"/>
               </a:rPr>
-              <a:t>Ace 7→1, 2-10, Jack→11,</a:t>
+              <a:t>Ace→1, 2-10, Jack→11,</a:t>
             </a:r>
             <a:br/>
             <a:r>
@@ -10245,7 +10266,7 @@
               <a:t>AT</a:t>
             </a:r>
             <a:endParaRPr b="0" lang="en-US" sz="2400" spc="-1" strike="noStrike">
-              <a:latin typeface="Arial"/>
+              <a:latin typeface="DejaVu Sans Mono"/>
             </a:endParaRPr>
           </a:p>
         </p:txBody>
@@ -10293,7 +10314,7 @@
               <a:t>AU</a:t>
             </a:r>
             <a:endParaRPr b="0" lang="en-US" sz="2400" spc="-1" strike="noStrike">
-              <a:latin typeface="Arial"/>
+              <a:latin typeface="DejaVu Sans Mono"/>
             </a:endParaRPr>
           </a:p>
         </p:txBody>
@@ -10341,7 +10362,7 @@
               <a:t>DE</a:t>
             </a:r>
             <a:endParaRPr b="0" lang="en-US" sz="2400" spc="-1" strike="noStrike">
-              <a:latin typeface="Arial"/>
+              <a:latin typeface="DejaVu Sans Mono"/>
             </a:endParaRPr>
           </a:p>
         </p:txBody>
@@ -10389,7 +10410,7 @@
               <a:t>ES</a:t>
             </a:r>
             <a:endParaRPr b="0" lang="en-US" sz="2400" spc="-1" strike="noStrike">
-              <a:latin typeface="Arial"/>
+              <a:latin typeface="DejaVu Sans Mono"/>
             </a:endParaRPr>
           </a:p>
         </p:txBody>
@@ -10437,7 +10458,7 @@
               <a:t>FR</a:t>
             </a:r>
             <a:endParaRPr b="0" lang="en-US" sz="2400" spc="-1" strike="noStrike">
-              <a:latin typeface="Arial"/>
+              <a:latin typeface="DejaVu Sans Mono"/>
             </a:endParaRPr>
           </a:p>
         </p:txBody>
@@ -10488,7 +10509,10 @@
               <a:t>HU</a:t>
             </a:r>
             <a:endParaRPr b="0" lang="en-US" sz="2400" spc="-1" strike="noStrike">
-              <a:latin typeface="Arial"/>
+              <a:solidFill>
+                <a:srgbClr val="808080"/>
+              </a:solidFill>
+              <a:latin typeface="DejaVu Sans Mono"/>
             </a:endParaRPr>
           </a:p>
         </p:txBody>
@@ -10539,7 +10563,10 @@
               <a:t>IS</a:t>
             </a:r>
             <a:endParaRPr b="0" lang="en-US" sz="2400" spc="-1" strike="noStrike">
-              <a:latin typeface="Arial"/>
+              <a:solidFill>
+                <a:srgbClr val="808080"/>
+              </a:solidFill>
+              <a:latin typeface="DejaVu Sans Mono"/>
             </a:endParaRPr>
           </a:p>
         </p:txBody>
@@ -10590,7 +10617,10 @@
               <a:t>JP</a:t>
             </a:r>
             <a:endParaRPr b="0" lang="en-US" sz="2400" spc="-1" strike="noStrike">
-              <a:latin typeface="Arial"/>
+              <a:solidFill>
+                <a:srgbClr val="808080"/>
+              </a:solidFill>
+              <a:latin typeface="DejaVu Sans Mono"/>
             </a:endParaRPr>
           </a:p>
         </p:txBody>
@@ -10641,7 +10671,10 @@
               <a:t>KR</a:t>
             </a:r>
             <a:endParaRPr b="0" lang="en-US" sz="2400" spc="-1" strike="noStrike">
-              <a:latin typeface="Arial"/>
+              <a:solidFill>
+                <a:srgbClr val="808080"/>
+              </a:solidFill>
+              <a:latin typeface="DejaVu Sans Mono"/>
             </a:endParaRPr>
           </a:p>
         </p:txBody>
@@ -10692,7 +10725,10 @@
               <a:t>PT</a:t>
             </a:r>
             <a:endParaRPr b="0" lang="en-US" sz="2400" spc="-1" strike="noStrike">
-              <a:latin typeface="Arial"/>
+              <a:solidFill>
+                <a:srgbClr val="808080"/>
+              </a:solidFill>
+              <a:latin typeface="DejaVu Sans Mono"/>
             </a:endParaRPr>
           </a:p>
         </p:txBody>
@@ -10743,7 +10779,10 @@
               <a:t>TW</a:t>
             </a:r>
             <a:endParaRPr b="0" lang="en-US" sz="2400" spc="-1" strike="noStrike">
-              <a:latin typeface="Arial"/>
+              <a:solidFill>
+                <a:srgbClr val="808080"/>
+              </a:solidFill>
+              <a:latin typeface="DejaVu Sans Mono"/>
             </a:endParaRPr>
           </a:p>
         </p:txBody>
@@ -10794,7 +10833,10 @@
               <a:t>US</a:t>
             </a:r>
             <a:endParaRPr b="0" lang="en-US" sz="2400" spc="-1" strike="noStrike">
-              <a:latin typeface="Arial"/>
+              <a:solidFill>
+                <a:srgbClr val="808080"/>
+              </a:solidFill>
+              <a:latin typeface="DejaVu Sans Mono"/>
             </a:endParaRPr>
           </a:p>
         </p:txBody>
@@ -11247,7 +11289,10 @@
               <a:t>AT</a:t>
             </a:r>
             <a:endParaRPr b="0" lang="en-US" sz="2400" spc="-1" strike="noStrike">
-              <a:latin typeface="Arial"/>
+              <a:solidFill>
+                <a:srgbClr val="808080"/>
+              </a:solidFill>
+              <a:latin typeface="DejaVu Sans Mono"/>
             </a:endParaRPr>
           </a:p>
         </p:txBody>
@@ -11298,7 +11343,10 @@
               <a:t>AU</a:t>
             </a:r>
             <a:endParaRPr b="0" lang="en-US" sz="2400" spc="-1" strike="noStrike">
-              <a:latin typeface="Arial"/>
+              <a:solidFill>
+                <a:srgbClr val="808080"/>
+              </a:solidFill>
+              <a:latin typeface="DejaVu Sans Mono"/>
             </a:endParaRPr>
           </a:p>
         </p:txBody>
@@ -11349,7 +11397,10 @@
               <a:t>DE</a:t>
             </a:r>
             <a:endParaRPr b="0" lang="en-US" sz="2400" spc="-1" strike="noStrike">
-              <a:latin typeface="Arial"/>
+              <a:solidFill>
+                <a:srgbClr val="808080"/>
+              </a:solidFill>
+              <a:latin typeface="DejaVu Sans Mono"/>
             </a:endParaRPr>
           </a:p>
         </p:txBody>
@@ -11400,7 +11451,10 @@
               <a:t>ES</a:t>
             </a:r>
             <a:endParaRPr b="0" lang="en-US" sz="2400" spc="-1" strike="noStrike">
-              <a:latin typeface="Arial"/>
+              <a:solidFill>
+                <a:srgbClr val="000000"/>
+              </a:solidFill>
+              <a:latin typeface="DejaVu Sans Mono"/>
             </a:endParaRPr>
           </a:p>
         </p:txBody>
@@ -11448,7 +11502,7 @@
               <a:t>FR</a:t>
             </a:r>
             <a:endParaRPr b="0" lang="en-US" sz="2400" spc="-1" strike="noStrike">
-              <a:latin typeface="Arial"/>
+              <a:latin typeface="DejaVu Sans Mono"/>
             </a:endParaRPr>
           </a:p>
         </p:txBody>
@@ -11499,7 +11553,10 @@
               <a:t>HU</a:t>
             </a:r>
             <a:endParaRPr b="0" lang="en-US" sz="2400" spc="-1" strike="noStrike">
-              <a:latin typeface="Arial"/>
+              <a:solidFill>
+                <a:srgbClr val="808080"/>
+              </a:solidFill>
+              <a:latin typeface="DejaVu Sans Mono"/>
             </a:endParaRPr>
           </a:p>
         </p:txBody>
@@ -11550,7 +11607,10 @@
               <a:t>IS</a:t>
             </a:r>
             <a:endParaRPr b="0" lang="en-US" sz="2400" spc="-1" strike="noStrike">
-              <a:latin typeface="Arial"/>
+              <a:solidFill>
+                <a:srgbClr val="808080"/>
+              </a:solidFill>
+              <a:latin typeface="DejaVu Sans Mono"/>
             </a:endParaRPr>
           </a:p>
         </p:txBody>
@@ -11601,7 +11661,10 @@
               <a:t>JP</a:t>
             </a:r>
             <a:endParaRPr b="0" lang="en-US" sz="2400" spc="-1" strike="noStrike">
-              <a:latin typeface="Arial"/>
+              <a:solidFill>
+                <a:srgbClr val="808080"/>
+              </a:solidFill>
+              <a:latin typeface="DejaVu Sans Mono"/>
             </a:endParaRPr>
           </a:p>
         </p:txBody>
@@ -11652,7 +11715,10 @@
               <a:t>KR</a:t>
             </a:r>
             <a:endParaRPr b="0" lang="en-US" sz="2400" spc="-1" strike="noStrike">
-              <a:latin typeface="Arial"/>
+              <a:solidFill>
+                <a:srgbClr val="808080"/>
+              </a:solidFill>
+              <a:latin typeface="DejaVu Sans Mono"/>
             </a:endParaRPr>
           </a:p>
         </p:txBody>
@@ -11703,7 +11769,10 @@
               <a:t>PT</a:t>
             </a:r>
             <a:endParaRPr b="0" lang="en-US" sz="2400" spc="-1" strike="noStrike">
-              <a:latin typeface="Arial"/>
+              <a:solidFill>
+                <a:srgbClr val="808080"/>
+              </a:solidFill>
+              <a:latin typeface="DejaVu Sans Mono"/>
             </a:endParaRPr>
           </a:p>
         </p:txBody>
@@ -11754,7 +11823,10 @@
               <a:t>TW</a:t>
             </a:r>
             <a:endParaRPr b="0" lang="en-US" sz="2400" spc="-1" strike="noStrike">
-              <a:latin typeface="Arial"/>
+              <a:solidFill>
+                <a:srgbClr val="808080"/>
+              </a:solidFill>
+              <a:latin typeface="DejaVu Sans Mono"/>
             </a:endParaRPr>
           </a:p>
         </p:txBody>
@@ -11805,7 +11877,10 @@
               <a:t>US</a:t>
             </a:r>
             <a:endParaRPr b="0" lang="en-US" sz="2400" spc="-1" strike="noStrike">
-              <a:latin typeface="Arial"/>
+              <a:solidFill>
+                <a:srgbClr val="808080"/>
+              </a:solidFill>
+              <a:latin typeface="DejaVu Sans Mono"/>
             </a:endParaRPr>
           </a:p>
         </p:txBody>
@@ -12203,7 +12278,10 @@
               <a:t>AT</a:t>
             </a:r>
             <a:endParaRPr b="0" lang="en-US" sz="2400" spc="-1" strike="noStrike">
-              <a:latin typeface="Arial"/>
+              <a:solidFill>
+                <a:srgbClr val="808080"/>
+              </a:solidFill>
+              <a:latin typeface="DejaVu Sans Mono"/>
             </a:endParaRPr>
           </a:p>
         </p:txBody>
@@ -12254,7 +12332,10 @@
               <a:t>AU</a:t>
             </a:r>
             <a:endParaRPr b="0" lang="en-US" sz="2400" spc="-1" strike="noStrike">
-              <a:latin typeface="Arial"/>
+              <a:solidFill>
+                <a:srgbClr val="808080"/>
+              </a:solidFill>
+              <a:latin typeface="DejaVu Sans Mono"/>
             </a:endParaRPr>
           </a:p>
         </p:txBody>
@@ -12305,7 +12386,10 @@
               <a:t>DE</a:t>
             </a:r>
             <a:endParaRPr b="0" lang="en-US" sz="2400" spc="-1" strike="noStrike">
-              <a:latin typeface="Arial"/>
+              <a:solidFill>
+                <a:srgbClr val="808080"/>
+              </a:solidFill>
+              <a:latin typeface="DejaVu Sans Mono"/>
             </a:endParaRPr>
           </a:p>
         </p:txBody>
@@ -12355,8 +12439,11 @@
               </a:rPr>
               <a:t>ES</a:t>
             </a:r>
-            <a:endParaRPr b="0" lang="en-US" sz="2400" spc="-1" strike="noStrike">
-              <a:latin typeface="Arial"/>
+            <a:endParaRPr b="1" lang="en-US" sz="2400" spc="-1" strike="noStrike">
+              <a:solidFill>
+                <a:srgbClr val="c9211e"/>
+              </a:solidFill>
+              <a:latin typeface="DejaVu Sans Mono"/>
             </a:endParaRPr>
           </a:p>
         </p:txBody>
@@ -12404,7 +12491,7 @@
               <a:t>FR</a:t>
             </a:r>
             <a:endParaRPr b="0" lang="en-US" sz="2400" spc="-1" strike="noStrike">
-              <a:latin typeface="Arial"/>
+              <a:latin typeface="DejaVu Sans Mono"/>
             </a:endParaRPr>
           </a:p>
         </p:txBody>
@@ -12455,7 +12542,10 @@
               <a:t>HU</a:t>
             </a:r>
             <a:endParaRPr b="0" lang="en-US" sz="2400" spc="-1" strike="noStrike">
-              <a:latin typeface="Arial"/>
+              <a:solidFill>
+                <a:srgbClr val="808080"/>
+              </a:solidFill>
+              <a:latin typeface="DejaVu Sans Mono"/>
             </a:endParaRPr>
           </a:p>
         </p:txBody>
@@ -12506,7 +12596,10 @@
               <a:t>IS</a:t>
             </a:r>
             <a:endParaRPr b="0" lang="en-US" sz="2400" spc="-1" strike="noStrike">
-              <a:latin typeface="Arial"/>
+              <a:solidFill>
+                <a:srgbClr val="808080"/>
+              </a:solidFill>
+              <a:latin typeface="DejaVu Sans Mono"/>
             </a:endParaRPr>
           </a:p>
         </p:txBody>
@@ -12557,7 +12650,10 @@
               <a:t>JP</a:t>
             </a:r>
             <a:endParaRPr b="0" lang="en-US" sz="2400" spc="-1" strike="noStrike">
-              <a:latin typeface="Arial"/>
+              <a:solidFill>
+                <a:srgbClr val="808080"/>
+              </a:solidFill>
+              <a:latin typeface="DejaVu Sans Mono"/>
             </a:endParaRPr>
           </a:p>
         </p:txBody>
@@ -12608,7 +12704,10 @@
               <a:t>KR</a:t>
             </a:r>
             <a:endParaRPr b="0" lang="en-US" sz="2400" spc="-1" strike="noStrike">
-              <a:latin typeface="Arial"/>
+              <a:solidFill>
+                <a:srgbClr val="808080"/>
+              </a:solidFill>
+              <a:latin typeface="DejaVu Sans Mono"/>
             </a:endParaRPr>
           </a:p>
         </p:txBody>
@@ -12659,7 +12758,10 @@
               <a:t>PT</a:t>
             </a:r>
             <a:endParaRPr b="0" lang="en-US" sz="2400" spc="-1" strike="noStrike">
-              <a:latin typeface="Arial"/>
+              <a:solidFill>
+                <a:srgbClr val="808080"/>
+              </a:solidFill>
+              <a:latin typeface="DejaVu Sans Mono"/>
             </a:endParaRPr>
           </a:p>
         </p:txBody>
@@ -12710,7 +12812,10 @@
               <a:t>TW</a:t>
             </a:r>
             <a:endParaRPr b="0" lang="en-US" sz="2400" spc="-1" strike="noStrike">
-              <a:latin typeface="Arial"/>
+              <a:solidFill>
+                <a:srgbClr val="808080"/>
+              </a:solidFill>
+              <a:latin typeface="DejaVu Sans Mono"/>
             </a:endParaRPr>
           </a:p>
         </p:txBody>
@@ -12761,7 +12866,10 @@
               <a:t>US</a:t>
             </a:r>
             <a:endParaRPr b="0" lang="en-US" sz="2400" spc="-1" strike="noStrike">
-              <a:latin typeface="Arial"/>
+              <a:solidFill>
+                <a:srgbClr val="808080"/>
+              </a:solidFill>
+              <a:latin typeface="DejaVu Sans Mono"/>
             </a:endParaRPr>
           </a:p>
         </p:txBody>
@@ -13138,7 +13246,7 @@
               <a:t>public static int binarySearch(Card[] cards, Card target) {</a:t>
             </a:r>
             <a:endParaRPr b="0" lang="en-US" sz="1600" spc="-1" strike="noStrike">
-              <a:latin typeface="Courier New"/>
+              <a:latin typeface="Arial"/>
             </a:endParaRPr>
           </a:p>
           <a:p>
@@ -13160,7 +13268,7 @@
               <a:t>int low = 0;</a:t>
             </a:r>
             <a:endParaRPr b="0" lang="en-US" sz="1600" spc="-1" strike="noStrike">
-              <a:latin typeface="Courier New"/>
+              <a:latin typeface="Arial"/>
             </a:endParaRPr>
           </a:p>
           <a:p>
@@ -13182,7 +13290,7 @@
               <a:t>int high = cards.length - 1;</a:t>
             </a:r>
             <a:endParaRPr b="0" lang="en-US" sz="1600" spc="-1" strike="noStrike">
-              <a:latin typeface="Courier New"/>
+              <a:latin typeface="Arial"/>
             </a:endParaRPr>
           </a:p>
           <a:p>
@@ -13204,7 +13312,7 @@
               <a:t>while (low &lt;= high) {</a:t>
             </a:r>
             <a:endParaRPr b="0" lang="en-US" sz="1600" spc="-1" strike="noStrike">
-              <a:latin typeface="Courier New"/>
+              <a:latin typeface="Arial"/>
             </a:endParaRPr>
           </a:p>
           <a:p>
@@ -13226,7 +13334,7 @@
               <a:t>int mid = (low + high) / 2;</a:t>
             </a:r>
             <a:endParaRPr b="0" lang="en-US" sz="1600" spc="-1" strike="noStrike">
-              <a:latin typeface="Courier New"/>
+              <a:latin typeface="Arial"/>
             </a:endParaRPr>
           </a:p>
           <a:p>
@@ -13248,7 +13356,7 @@
               <a:t>int comp = cards[mid].compareTo(target);</a:t>
             </a:r>
             <a:endParaRPr b="0" lang="en-US" sz="1600" spc="-1" strike="noStrike">
-              <a:latin typeface="Courier New"/>
+              <a:latin typeface="Arial"/>
             </a:endParaRPr>
           </a:p>
           <a:p>
@@ -13270,7 +13378,7 @@
               <a:t>if (comp == 0) {</a:t>
             </a:r>
             <a:endParaRPr b="0" lang="en-US" sz="1600" spc="-1" strike="noStrike">
-              <a:latin typeface="Courier New"/>
+              <a:latin typeface="Arial"/>
             </a:endParaRPr>
           </a:p>
           <a:p>
@@ -13292,7 +13400,7 @@
               <a:t>return mid;</a:t>
             </a:r>
             <a:endParaRPr b="0" lang="en-US" sz="1600" spc="-1" strike="noStrike">
-              <a:latin typeface="Courier New"/>
+              <a:latin typeface="Arial"/>
             </a:endParaRPr>
           </a:p>
           <a:p>
@@ -13314,7 +13422,7 @@
               <a:t>} else if (comp &lt; 0) { // look at upper half</a:t>
             </a:r>
             <a:endParaRPr b="0" lang="en-US" sz="1600" spc="-1" strike="noStrike">
-              <a:latin typeface="Courier New"/>
+              <a:latin typeface="Arial"/>
             </a:endParaRPr>
           </a:p>
           <a:p>
@@ -13336,7 +13444,7 @@
               <a:t>low = mid + 1;</a:t>
             </a:r>
             <a:endParaRPr b="0" lang="en-US" sz="1600" spc="-1" strike="noStrike">
-              <a:latin typeface="Courier New"/>
+              <a:latin typeface="Arial"/>
             </a:endParaRPr>
           </a:p>
           <a:p>
@@ -13358,7 +13466,7 @@
               <a:t>} else { // look at lower half</a:t>
             </a:r>
             <a:endParaRPr b="0" lang="en-US" sz="1600" spc="-1" strike="noStrike">
-              <a:latin typeface="Courier New"/>
+              <a:latin typeface="Arial"/>
             </a:endParaRPr>
           </a:p>
           <a:p>
@@ -13380,7 +13488,7 @@
               <a:t>high = mid - 1;</a:t>
             </a:r>
             <a:endParaRPr b="0" lang="en-US" sz="1600" spc="-1" strike="noStrike">
-              <a:latin typeface="Courier New"/>
+              <a:latin typeface="Arial"/>
             </a:endParaRPr>
           </a:p>
           <a:p>
@@ -13402,7 +13510,7 @@
               <a:t>}</a:t>
             </a:r>
             <a:endParaRPr b="0" lang="en-US" sz="1600" spc="-1" strike="noStrike">
-              <a:latin typeface="Courier New"/>
+              <a:latin typeface="Arial"/>
             </a:endParaRPr>
           </a:p>
           <a:p>
@@ -13424,7 +13532,7 @@
               <a:t>}</a:t>
             </a:r>
             <a:endParaRPr b="0" lang="en-US" sz="1600" spc="-1" strike="noStrike">
-              <a:latin typeface="Courier New"/>
+              <a:latin typeface="Arial"/>
             </a:endParaRPr>
           </a:p>
           <a:p>
@@ -13446,7 +13554,7 @@
               <a:t>return -1;</a:t>
             </a:r>
             <a:endParaRPr b="0" lang="en-US" sz="1600" spc="-1" strike="noStrike">
-              <a:latin typeface="Courier New"/>
+              <a:latin typeface="Arial"/>
             </a:endParaRPr>
           </a:p>
           <a:p>
@@ -13462,7 +13570,7 @@
               <a:t>}</a:t>
             </a:r>
             <a:endParaRPr b="0" lang="en-US" sz="1600" spc="-1" strike="noStrike">
-              <a:latin typeface="Courier New"/>
+              <a:latin typeface="Arial"/>
             </a:endParaRPr>
           </a:p>
         </p:txBody>
@@ -13570,7 +13678,7 @@
               <a:t>public static int binarySearch(Card[] cards, Card target) {</a:t>
             </a:r>
             <a:endParaRPr b="0" lang="en-US" sz="1600" spc="-1" strike="noStrike">
-              <a:latin typeface="Courier New"/>
+              <a:latin typeface="Arial"/>
             </a:endParaRPr>
           </a:p>
           <a:p>
@@ -13592,7 +13700,7 @@
               <a:t>int low = 0;</a:t>
             </a:r>
             <a:endParaRPr b="0" lang="en-US" sz="1600" spc="-1" strike="noStrike">
-              <a:latin typeface="Courier New"/>
+              <a:latin typeface="Arial"/>
             </a:endParaRPr>
           </a:p>
           <a:p>
@@ -13614,7 +13722,7 @@
               <a:t>int high = cards.length - 1;</a:t>
             </a:r>
             <a:endParaRPr b="0" lang="en-US" sz="1600" spc="-1" strike="noStrike">
-              <a:latin typeface="Courier New"/>
+              <a:latin typeface="Arial"/>
             </a:endParaRPr>
           </a:p>
           <a:p>
@@ -13636,7 +13744,7 @@
               <a:t>while (low &lt;= high) {</a:t>
             </a:r>
             <a:endParaRPr b="0" lang="en-US" sz="1600" spc="-1" strike="noStrike">
-              <a:latin typeface="Courier New"/>
+              <a:latin typeface="Arial"/>
             </a:endParaRPr>
           </a:p>
           <a:p>
@@ -13658,7 +13766,7 @@
               <a:t>int mid = (low + high) / 2;</a:t>
             </a:r>
             <a:endParaRPr b="0" lang="en-US" sz="1600" spc="-1" strike="noStrike">
-              <a:latin typeface="Courier New"/>
+              <a:latin typeface="Arial"/>
             </a:endParaRPr>
           </a:p>
           <a:p>
@@ -13680,7 +13788,7 @@
               <a:t>int comp = cards[mid].compareTo(target);</a:t>
             </a:r>
             <a:endParaRPr b="0" lang="en-US" sz="1600" spc="-1" strike="noStrike">
-              <a:latin typeface="Courier New"/>
+              <a:latin typeface="Arial"/>
             </a:endParaRPr>
           </a:p>
           <a:p>
@@ -13702,7 +13810,7 @@
               <a:t>if (comp == 0) {</a:t>
             </a:r>
             <a:endParaRPr b="0" lang="en-US" sz="1600" spc="-1" strike="noStrike">
-              <a:latin typeface="Courier New"/>
+              <a:latin typeface="Arial"/>
             </a:endParaRPr>
           </a:p>
           <a:p>
@@ -13724,7 +13832,7 @@
               <a:t>return mid;</a:t>
             </a:r>
             <a:endParaRPr b="0" lang="en-US" sz="1600" spc="-1" strike="noStrike">
-              <a:latin typeface="Courier New"/>
+              <a:latin typeface="Arial"/>
             </a:endParaRPr>
           </a:p>
           <a:p>
@@ -13746,7 +13854,7 @@
               <a:t>} else if (comp &lt; 0) {</a:t>
             </a:r>
             <a:endParaRPr b="0" lang="en-US" sz="1600" spc="-1" strike="noStrike">
-              <a:latin typeface="Courier New"/>
+              <a:latin typeface="Arial"/>
             </a:endParaRPr>
           </a:p>
           <a:p>
@@ -13768,7 +13876,7 @@
               <a:t>low = mid + 1;</a:t>
             </a:r>
             <a:endParaRPr b="0" lang="en-US" sz="1600" spc="-1" strike="noStrike">
-              <a:latin typeface="Courier New"/>
+              <a:latin typeface="Arial"/>
             </a:endParaRPr>
           </a:p>
           <a:p>
@@ -13790,7 +13898,7 @@
               <a:t>} else {</a:t>
             </a:r>
             <a:endParaRPr b="0" lang="en-US" sz="1600" spc="-1" strike="noStrike">
-              <a:latin typeface="Courier New"/>
+              <a:latin typeface="Arial"/>
             </a:endParaRPr>
           </a:p>
           <a:p>
@@ -13812,7 +13920,7 @@
               <a:t>high = mid - 1;</a:t>
             </a:r>
             <a:endParaRPr b="0" lang="en-US" sz="1600" spc="-1" strike="noStrike">
-              <a:latin typeface="Courier New"/>
+              <a:latin typeface="Arial"/>
             </a:endParaRPr>
           </a:p>
           <a:p>
@@ -13834,7 +13942,7 @@
               <a:t>}</a:t>
             </a:r>
             <a:endParaRPr b="0" lang="en-US" sz="1600" spc="-1" strike="noStrike">
-              <a:latin typeface="Courier New"/>
+              <a:latin typeface="Arial"/>
             </a:endParaRPr>
           </a:p>
           <a:p>
@@ -13856,7 +13964,7 @@
               <a:t>}</a:t>
             </a:r>
             <a:endParaRPr b="0" lang="en-US" sz="1600" spc="-1" strike="noStrike">
-              <a:latin typeface="Courier New"/>
+              <a:latin typeface="Arial"/>
             </a:endParaRPr>
           </a:p>
           <a:p>
@@ -13878,7 +13986,7 @@
               <a:t>return -1;</a:t>
             </a:r>
             <a:endParaRPr b="0" lang="en-US" sz="1600" spc="-1" strike="noStrike">
-              <a:latin typeface="Courier New"/>
+              <a:latin typeface="Arial"/>
             </a:endParaRPr>
           </a:p>
           <a:p>
@@ -13894,7 +14002,7 @@
               <a:t>}</a:t>
             </a:r>
             <a:endParaRPr b="0" lang="en-US" sz="1600" spc="-1" strike="noStrike">
-              <a:latin typeface="Courier New"/>
+              <a:latin typeface="Arial"/>
             </a:endParaRPr>
           </a:p>
         </p:txBody>
